--- a/Web Dev Workshop.pptx
+++ b/Web Dev Workshop.pptx
@@ -8,14 +8,15 @@
     <p:sldId id="256" r:id="rId2"/>
     <p:sldId id="257" r:id="rId3"/>
     <p:sldId id="266" r:id="rId4"/>
-    <p:sldId id="259" r:id="rId5"/>
-    <p:sldId id="260" r:id="rId6"/>
-    <p:sldId id="258" r:id="rId7"/>
-    <p:sldId id="261" r:id="rId8"/>
-    <p:sldId id="263" r:id="rId9"/>
-    <p:sldId id="262" r:id="rId10"/>
-    <p:sldId id="264" r:id="rId11"/>
-    <p:sldId id="265" r:id="rId12"/>
+    <p:sldId id="267" r:id="rId5"/>
+    <p:sldId id="259" r:id="rId6"/>
+    <p:sldId id="260" r:id="rId7"/>
+    <p:sldId id="258" r:id="rId8"/>
+    <p:sldId id="261" r:id="rId9"/>
+    <p:sldId id="263" r:id="rId10"/>
+    <p:sldId id="262" r:id="rId11"/>
+    <p:sldId id="264" r:id="rId12"/>
+    <p:sldId id="265" r:id="rId13"/>
   </p:sldIdLst>
   <p:sldSz cx="9144000" cy="6858000" type="screen4x3"/>
   <p:notesSz cx="6858000" cy="9144000"/>
@@ -154,7 +155,7 @@
             <a:fld id="{F44B478F-19A0-4B42-89CD-744F92F79477}" type="datetimeFigureOut">
               <a:rPr lang="en-US" smtClean="0"/>
               <a:pPr/>
-              <a:t>4/30/2012</a:t>
+              <a:t>4/30/12</a:t>
             </a:fld>
             <a:endParaRPr lang="en-US"/>
           </a:p>
@@ -873,7 +874,7 @@
             <a:fld id="{F44B478F-19A0-4B42-89CD-744F92F79477}" type="datetimeFigureOut">
               <a:rPr lang="en-US" smtClean="0"/>
               <a:pPr/>
-              <a:t>4/30/2012</a:t>
+              <a:t>4/30/12</a:t>
             </a:fld>
             <a:endParaRPr lang="en-US"/>
           </a:p>
@@ -1060,7 +1061,7 @@
             <a:fld id="{F44B478F-19A0-4B42-89CD-744F92F79477}" type="datetimeFigureOut">
               <a:rPr lang="en-US" smtClean="0"/>
               <a:pPr/>
-              <a:t>4/30/2012</a:t>
+              <a:t>4/30/12</a:t>
             </a:fld>
             <a:endParaRPr lang="en-US"/>
           </a:p>
@@ -1237,7 +1238,7 @@
             <a:fld id="{F44B478F-19A0-4B42-89CD-744F92F79477}" type="datetimeFigureOut">
               <a:rPr lang="en-US" smtClean="0"/>
               <a:pPr/>
-              <a:t>4/30/2012</a:t>
+              <a:t>4/30/12</a:t>
             </a:fld>
             <a:endParaRPr lang="en-US"/>
           </a:p>
@@ -2722,7 +2723,7 @@
             <a:fld id="{F44B478F-19A0-4B42-89CD-744F92F79477}" type="datetimeFigureOut">
               <a:rPr lang="en-US" smtClean="0"/>
               <a:pPr/>
-              <a:t>4/30/2012</a:t>
+              <a:t>4/30/12</a:t>
             </a:fld>
             <a:endParaRPr lang="en-US"/>
           </a:p>
@@ -3324,7 +3325,7 @@
             <a:fld id="{F44B478F-19A0-4B42-89CD-744F92F79477}" type="datetimeFigureOut">
               <a:rPr lang="en-US" smtClean="0"/>
               <a:pPr/>
-              <a:t>4/30/2012</a:t>
+              <a:t>4/30/12</a:t>
             </a:fld>
             <a:endParaRPr lang="en-US"/>
           </a:p>
@@ -3763,7 +3764,7 @@
             <a:fld id="{F44B478F-19A0-4B42-89CD-744F92F79477}" type="datetimeFigureOut">
               <a:rPr lang="en-US" smtClean="0"/>
               <a:pPr/>
-              <a:t>4/30/2012</a:t>
+              <a:t>4/30/12</a:t>
             </a:fld>
             <a:endParaRPr lang="en-US"/>
           </a:p>
@@ -4326,7 +4327,7 @@
             <a:fld id="{F44B478F-19A0-4B42-89CD-744F92F79477}" type="datetimeFigureOut">
               <a:rPr lang="en-US" smtClean="0"/>
               <a:pPr/>
-              <a:t>4/30/2012</a:t>
+              <a:t>4/30/12</a:t>
             </a:fld>
             <a:endParaRPr lang="en-US"/>
           </a:p>
@@ -4424,7 +4425,7 @@
             <a:fld id="{F44B478F-19A0-4B42-89CD-744F92F79477}" type="datetimeFigureOut">
               <a:rPr lang="en-US" smtClean="0"/>
               <a:pPr/>
-              <a:t>4/30/2012</a:t>
+              <a:t>4/30/12</a:t>
             </a:fld>
             <a:endParaRPr lang="en-US"/>
           </a:p>
@@ -4680,7 +4681,7 @@
             <a:fld id="{F44B478F-19A0-4B42-89CD-744F92F79477}" type="datetimeFigureOut">
               <a:rPr lang="en-US" smtClean="0"/>
               <a:pPr/>
-              <a:t>4/30/2012</a:t>
+              <a:t>4/30/12</a:t>
             </a:fld>
             <a:endParaRPr lang="en-US"/>
           </a:p>
@@ -5403,7 +5404,7 @@
             <a:fld id="{F44B478F-19A0-4B42-89CD-744F92F79477}" type="datetimeFigureOut">
               <a:rPr lang="en-US" smtClean="0"/>
               <a:pPr/>
-              <a:t>4/30/2012</a:t>
+              <a:t>4/30/12</a:t>
             </a:fld>
             <a:endParaRPr lang="en-US"/>
           </a:p>
@@ -6078,7 +6079,7 @@
             <a:fld id="{F44B478F-19A0-4B42-89CD-744F92F79477}" type="datetimeFigureOut">
               <a:rPr lang="en-US" smtClean="0"/>
               <a:pPr/>
-              <a:t>4/30/2012</a:t>
+              <a:t>4/30/12</a:t>
             </a:fld>
             <a:endParaRPr lang="en-US"/>
           </a:p>
@@ -6502,20 +6503,12 @@
               <a:rPr lang="en-US" dirty="0" smtClean="0"/>
               <a:t>ICSSC Presents:</a:t>
             </a:r>
-            <a:r>
-              <a:rPr lang="en-US" dirty="0" smtClean="0"/>
-              <a:t/>
-            </a:r>
             <a:br>
               <a:rPr lang="en-US" dirty="0" smtClean="0"/>
             </a:br>
             <a:r>
               <a:rPr lang="en-US" dirty="0" smtClean="0"/>
-              <a:t>Web </a:t>
-            </a:r>
-            <a:r>
-              <a:rPr lang="en-US" dirty="0" smtClean="0"/>
-              <a:t>Dev Workshop</a:t>
+              <a:t>Web Dev Workshop</a:t>
             </a:r>
             <a:endParaRPr lang="en-US" dirty="0"/>
           </a:p>
@@ -6562,13 +6555,20 @@
     </p:spTree>
     <p:extLst>
       <p:ext uri="{BB962C8B-B14F-4D97-AF65-F5344CB8AC3E}">
-        <p14:creationId xmlns:p14="http://schemas.microsoft.com/office/powerpoint/2010/main" xmlns="" val="66011047"/>
+        <p14:creationId xmlns:p14="http://schemas.microsoft.com/office/powerpoint/2010/main" val="66011047"/>
       </p:ext>
     </p:extLst>
   </p:cSld>
   <p:clrMapOvr>
     <a:masterClrMapping/>
   </p:clrMapOvr>
+  <p:timing>
+    <p:tnLst>
+      <p:par>
+        <p:cTn xmlns:p14="http://schemas.microsoft.com/office/powerpoint/2010/main" id="1" dur="indefinite" restart="never" nodeType="tmRoot"/>
+      </p:par>
+    </p:tnLst>
+  </p:timing>
 </p:sld>
 </file>
 
@@ -6605,8 +6605,8 @@
           <a:lstStyle/>
           <a:p>
             <a:r>
-              <a:rPr lang="en-US" dirty="0" err="1" smtClean="0"/>
-              <a:t>NoSQL</a:t>
+              <a:rPr lang="en-US" dirty="0" smtClean="0"/>
+              <a:t>SQL</a:t>
             </a:r>
             <a:endParaRPr lang="en-US" dirty="0"/>
           </a:p>
@@ -6627,48 +6627,93 @@
           <a:bodyPr/>
           <a:lstStyle/>
           <a:p>
-            <a:r>
-              <a:rPr lang="en-US" dirty="0" err="1" smtClean="0"/>
-              <a:t>MongoDB</a:t>
-            </a:r>
-            <a:endParaRPr lang="en-US" dirty="0" smtClean="0"/>
-          </a:p>
-          <a:p>
-            <a:pPr marL="0" indent="0">
+            <a:pPr lvl="1">
+              <a:buFont typeface="Arial" pitchFamily="34" charset="0"/>
+              <a:buChar char="•"/>
+            </a:pPr>
+            <a:r>
+              <a:rPr lang="en-US" dirty="0" smtClean="0"/>
+              <a:t>IBM’s DB2 </a:t>
+            </a:r>
+          </a:p>
+          <a:p>
+            <a:pPr marL="457200" lvl="1" indent="0">
               <a:buNone/>
             </a:pPr>
             <a:r>
               <a:rPr lang="en-US" dirty="0" smtClean="0">
                 <a:hlinkClick r:id="rId2"/>
               </a:rPr>
-              <a:t>http://www.mongodb.org/</a:t>
+              <a:t>http://www-01.ibm.com/software/data/db2/</a:t>
             </a:r>
             <a:endParaRPr lang="en-US" dirty="0" smtClean="0"/>
           </a:p>
           <a:p>
+            <a:pPr lvl="1">
+              <a:buFont typeface="Arial" pitchFamily="34" charset="0"/>
+              <a:buChar char="•"/>
+            </a:pPr>
             <a:r>
               <a:rPr lang="en-US" dirty="0" smtClean="0"/>
-              <a:t>Apache Cassandra</a:t>
-            </a:r>
-          </a:p>
-          <a:p>
-            <a:pPr marL="0" indent="0">
+              <a:t>Oracle’s Database</a:t>
+            </a:r>
+          </a:p>
+          <a:p>
+            <a:pPr marL="457200" lvl="1" indent="0">
               <a:buNone/>
             </a:pPr>
             <a:r>
               <a:rPr lang="en-US" dirty="0" smtClean="0">
                 <a:hlinkClick r:id="rId3"/>
               </a:rPr>
-              <a:t>http://cassandra.apache.org/</a:t>
+              <a:t>http://www.oracle.com/technetwork/indexes/downloads/index.html</a:t>
             </a:r>
             <a:endParaRPr lang="en-US" dirty="0" smtClean="0"/>
+          </a:p>
+          <a:p>
+            <a:pPr lvl="1">
+              <a:buFont typeface="Arial" pitchFamily="34" charset="0"/>
+              <a:buChar char="•"/>
+            </a:pPr>
+            <a:r>
+              <a:rPr lang="en-US" dirty="0" smtClean="0"/>
+              <a:t>MySQL</a:t>
+            </a:r>
+          </a:p>
+          <a:p>
+            <a:pPr marL="457200" lvl="1" indent="0">
+              <a:buNone/>
+            </a:pPr>
+            <a:r>
+              <a:rPr lang="en-US" dirty="0" smtClean="0">
+                <a:hlinkClick r:id="rId4"/>
+              </a:rPr>
+              <a:t>http://www.mysql.com/</a:t>
+            </a:r>
+            <a:endParaRPr lang="en-US" dirty="0" smtClean="0"/>
+          </a:p>
+          <a:p>
+            <a:pPr marL="457200" lvl="1" indent="0">
+              <a:buNone/>
+            </a:pPr>
+            <a:endParaRPr lang="en-US" dirty="0" smtClean="0"/>
+          </a:p>
+          <a:p>
+            <a:pPr lvl="1"/>
+            <a:endParaRPr lang="en-US" dirty="0"/>
+          </a:p>
+          <a:p>
+            <a:pPr marL="457200" lvl="1" indent="0">
+              <a:buNone/>
+            </a:pPr>
+            <a:endParaRPr lang="en-US" dirty="0"/>
           </a:p>
         </p:txBody>
       </p:sp>
     </p:spTree>
     <p:extLst>
       <p:ext uri="{BB962C8B-B14F-4D97-AF65-F5344CB8AC3E}">
-        <p14:creationId xmlns:p14="http://schemas.microsoft.com/office/powerpoint/2010/main" xmlns="" val="4024339800"/>
+        <p14:creationId xmlns:p14="http://schemas.microsoft.com/office/powerpoint/2010/main" val="3388672935"/>
       </p:ext>
     </p:extLst>
   </p:cSld>
@@ -6711,6 +6756,117 @@
           <a:lstStyle/>
           <a:p>
             <a:r>
+              <a:rPr lang="en-US" dirty="0" err="1" smtClean="0"/>
+              <a:t>NoSQL</a:t>
+            </a:r>
+            <a:endParaRPr lang="en-US" dirty="0"/>
+          </a:p>
+        </p:txBody>
+      </p:sp>
+      <p:sp>
+        <p:nvSpPr>
+          <p:cNvPr id="3" name="Content Placeholder 2"/>
+          <p:cNvSpPr>
+            <a:spLocks noGrp="1"/>
+          </p:cNvSpPr>
+          <p:nvPr>
+            <p:ph idx="1"/>
+          </p:nvPr>
+        </p:nvSpPr>
+        <p:spPr/>
+        <p:txBody>
+          <a:bodyPr/>
+          <a:lstStyle/>
+          <a:p>
+            <a:r>
+              <a:rPr lang="en-US" dirty="0" err="1" smtClean="0"/>
+              <a:t>MongoDB</a:t>
+            </a:r>
+            <a:endParaRPr lang="en-US" dirty="0" smtClean="0"/>
+          </a:p>
+          <a:p>
+            <a:pPr marL="0" indent="0">
+              <a:buNone/>
+            </a:pPr>
+            <a:r>
+              <a:rPr lang="en-US" dirty="0" smtClean="0">
+                <a:hlinkClick r:id="rId2"/>
+              </a:rPr>
+              <a:t>http://www.mongodb.org/</a:t>
+            </a:r>
+            <a:endParaRPr lang="en-US" dirty="0" smtClean="0"/>
+          </a:p>
+          <a:p>
+            <a:r>
+              <a:rPr lang="en-US" dirty="0" smtClean="0"/>
+              <a:t>Apache </a:t>
+            </a:r>
+            <a:r>
+              <a:rPr lang="en-US" dirty="0" smtClean="0"/>
+              <a:t>Cassandra (Facebook)</a:t>
+            </a:r>
+            <a:endParaRPr lang="en-US" dirty="0" smtClean="0"/>
+          </a:p>
+          <a:p>
+            <a:pPr marL="0" indent="0">
+              <a:buNone/>
+            </a:pPr>
+            <a:r>
+              <a:rPr lang="en-US" dirty="0" smtClean="0">
+                <a:hlinkClick r:id="rId3"/>
+              </a:rPr>
+              <a:t>http://cassandra.apache.org/</a:t>
+            </a:r>
+            <a:endParaRPr lang="en-US" dirty="0" smtClean="0"/>
+          </a:p>
+        </p:txBody>
+      </p:sp>
+    </p:spTree>
+    <p:extLst>
+      <p:ext uri="{BB962C8B-B14F-4D97-AF65-F5344CB8AC3E}">
+        <p14:creationId xmlns:p14="http://schemas.microsoft.com/office/powerpoint/2010/main" val="4024339800"/>
+      </p:ext>
+    </p:extLst>
+  </p:cSld>
+  <p:clrMapOvr>
+    <a:masterClrMapping/>
+  </p:clrMapOvr>
+</p:sld>
+</file>
+
+<file path=ppt/slides/slide12.xml><?xml version="1.0" encoding="utf-8"?>
+<p:sld xmlns:a="http://schemas.openxmlformats.org/drawingml/2006/main" xmlns:r="http://schemas.openxmlformats.org/officeDocument/2006/relationships" xmlns:p="http://schemas.openxmlformats.org/presentationml/2006/main">
+  <p:cSld>
+    <p:spTree>
+      <p:nvGrpSpPr>
+        <p:cNvPr id="1" name=""/>
+        <p:cNvGrpSpPr/>
+        <p:nvPr/>
+      </p:nvGrpSpPr>
+      <p:grpSpPr>
+        <a:xfrm>
+          <a:off x="0" y="0"/>
+          <a:ext cx="0" cy="0"/>
+          <a:chOff x="0" y="0"/>
+          <a:chExt cx="0" cy="0"/>
+        </a:xfrm>
+      </p:grpSpPr>
+      <p:sp>
+        <p:nvSpPr>
+          <p:cNvPr id="2" name="Title 1"/>
+          <p:cNvSpPr>
+            <a:spLocks noGrp="1"/>
+          </p:cNvSpPr>
+          <p:nvPr>
+            <p:ph type="title"/>
+          </p:nvPr>
+        </p:nvSpPr>
+        <p:spPr/>
+        <p:txBody>
+          <a:bodyPr/>
+          <a:lstStyle/>
+          <a:p>
+            <a:r>
               <a:rPr lang="en-US" dirty="0" smtClean="0"/>
               <a:t>Cloud Data Storage</a:t>
             </a:r>
@@ -6810,7 +6966,7 @@
     </p:spTree>
     <p:extLst>
       <p:ext uri="{BB962C8B-B14F-4D97-AF65-F5344CB8AC3E}">
-        <p14:creationId xmlns:p14="http://schemas.microsoft.com/office/powerpoint/2010/main" xmlns="" val="1828742920"/>
+        <p14:creationId xmlns:p14="http://schemas.microsoft.com/office/powerpoint/2010/main" val="1828742920"/>
       </p:ext>
     </p:extLst>
   </p:cSld>
@@ -6879,40 +7035,27 @@
           <a:p>
             <a:r>
               <a:rPr lang="en-US" dirty="0" smtClean="0"/>
-              <a:t>How to format a web site using </a:t>
-            </a:r>
+              <a:t>How to format a web site using html5/css3</a:t>
+            </a:r>
+          </a:p>
+          <a:p>
             <a:r>
               <a:rPr lang="en-US" dirty="0" smtClean="0"/>
-              <a:t>html5/css3</a:t>
-            </a:r>
-            <a:endParaRPr lang="en-US" dirty="0" smtClean="0"/>
+              <a:t>How to use SQL queries to set up a blog stream</a:t>
+            </a:r>
           </a:p>
           <a:p>
             <a:r>
               <a:rPr lang="en-US" dirty="0" smtClean="0"/>
-              <a:t>How </a:t>
+              <a:t>How to use </a:t>
             </a:r>
             <a:r>
               <a:rPr lang="en-US" dirty="0" smtClean="0"/>
-              <a:t>to use SQL queries to set up a blog stream</a:t>
-            </a:r>
-          </a:p>
-          <a:p>
+              <a:t>JavaScript to </a:t>
+            </a:r>
             <a:r>
               <a:rPr lang="en-US" dirty="0" smtClean="0"/>
-              <a:t>How </a:t>
-            </a:r>
-            <a:r>
-              <a:rPr lang="en-US" dirty="0" smtClean="0"/>
-              <a:t>to use </a:t>
-            </a:r>
-            <a:r>
-              <a:rPr lang="en-US" dirty="0" err="1" smtClean="0"/>
-              <a:t>jQuery</a:t>
-            </a:r>
-            <a:r>
-              <a:rPr lang="en-US" dirty="0" smtClean="0"/>
-              <a:t> to make an interactive user interface</a:t>
+              <a:t>make an interactive user interface</a:t>
             </a:r>
           </a:p>
           <a:p>
@@ -6933,13 +7076,20 @@
     </p:spTree>
     <p:extLst>
       <p:ext uri="{BB962C8B-B14F-4D97-AF65-F5344CB8AC3E}">
-        <p14:creationId xmlns:p14="http://schemas.microsoft.com/office/powerpoint/2010/main" xmlns="" val="826932035"/>
+        <p14:creationId xmlns:p14="http://schemas.microsoft.com/office/powerpoint/2010/main" val="826932035"/>
       </p:ext>
     </p:extLst>
   </p:cSld>
   <p:clrMapOvr>
     <a:masterClrMapping/>
   </p:clrMapOvr>
+  <p:timing>
+    <p:tnLst>
+      <p:par>
+        <p:cTn xmlns:p14="http://schemas.microsoft.com/office/powerpoint/2010/main" id="1" dur="indefinite" restart="never" nodeType="tmRoot"/>
+      </p:par>
+    </p:tnLst>
+  </p:timing>
 </p:sld>
 </file>
 
@@ -6999,20 +7149,16 @@
           <a:lstStyle/>
           <a:p>
             <a:r>
+              <a:rPr lang="en-US" b="1" u="sng" dirty="0"/>
+              <a:t>*</a:t>
+            </a:r>
+            <a:r>
               <a:rPr lang="en-US" b="1" u="sng" dirty="0" smtClean="0"/>
-              <a:t>XAMP</a:t>
+              <a:t>AMP</a:t>
             </a:r>
             <a:r>
               <a:rPr lang="en-US" dirty="0" smtClean="0"/>
-              <a:t>- Multiplatform Apache, </a:t>
-            </a:r>
-            <a:r>
-              <a:rPr lang="en-US" dirty="0" err="1" smtClean="0"/>
-              <a:t>MySQL</a:t>
-            </a:r>
-            <a:r>
-              <a:rPr lang="en-US" dirty="0" smtClean="0"/>
-              <a:t>, and PHP. This is used for turning your computer into a personal </a:t>
+              <a:t>- Multiplatform Apache, MySQL, and PHP. This is used for turning your computer into a personal </a:t>
             </a:r>
             <a:r>
               <a:rPr lang="en-US" dirty="0" err="1" smtClean="0"/>
@@ -7058,6 +7204,13 @@
   <p:clrMapOvr>
     <a:masterClrMapping/>
   </p:clrMapOvr>
+  <p:timing>
+    <p:tnLst>
+      <p:par>
+        <p:cTn xmlns:p14="http://schemas.microsoft.com/office/powerpoint/2010/main" id="1" dur="indefinite" restart="never" nodeType="tmRoot"/>
+      </p:par>
+    </p:tnLst>
+  </p:timing>
 </p:sld>
 </file>
 
@@ -7095,7 +7248,11 @@
           <a:p>
             <a:r>
               <a:rPr lang="en-US" dirty="0" smtClean="0"/>
-              <a:t>Installing WAMP</a:t>
+              <a:t>Tools of the </a:t>
+            </a:r>
+            <a:r>
+              <a:rPr lang="en-US" dirty="0" smtClean="0"/>
+              <a:t>Trade – Cont.</a:t>
             </a:r>
             <a:endParaRPr lang="en-US" dirty="0"/>
           </a:p>
@@ -7117,42 +7274,56 @@
           <a:lstStyle/>
           <a:p>
             <a:r>
+              <a:rPr lang="en-US" b="1" u="sng" dirty="0" err="1" smtClean="0"/>
+              <a:t>TextWrangler</a:t>
+            </a:r>
+            <a:r>
+              <a:rPr lang="en-US" b="1" u="sng" dirty="0" smtClean="0"/>
+              <a:t> </a:t>
+            </a:r>
+            <a:r>
               <a:rPr lang="en-US" dirty="0" smtClean="0"/>
-              <a:t>Visit </a:t>
-            </a:r>
-            <a:r>
-              <a:rPr lang="en-US" dirty="0" smtClean="0">
-                <a:hlinkClick r:id="rId2"/>
-              </a:rPr>
-              <a:t>http://www.wampserver.com/en</a:t>
-            </a:r>
-            <a:r>
-              <a:rPr lang="en-US" dirty="0" smtClean="0">
-                <a:hlinkClick r:id="rId2"/>
-              </a:rPr>
-              <a:t>/</a:t>
-            </a:r>
+              <a:t>- Mac based IDE for a wide number of coding languages.</a:t>
+            </a:r>
+          </a:p>
+          <a:p>
             <a:endParaRPr lang="en-US" dirty="0" smtClean="0"/>
           </a:p>
           <a:p>
             <a:r>
+              <a:rPr lang="en-US" b="1" u="sng" dirty="0" err="1" smtClean="0"/>
+              <a:t>PHPmyAdmin</a:t>
+            </a:r>
+            <a:r>
               <a:rPr lang="en-US" dirty="0" smtClean="0"/>
-              <a:t>Scroll down and follow the directions to install WAMP: It should only take 5 minutes. The download links are at the bottom.</a:t>
-            </a:r>
-            <a:endParaRPr lang="en-US" dirty="0"/>
+              <a:t> – Web based interface for MySQL database management.</a:t>
+            </a:r>
+          </a:p>
+          <a:p>
+            <a:endParaRPr lang="en-US" dirty="0" smtClean="0"/>
+          </a:p>
+          <a:p>
+            <a:endParaRPr lang="en-US" dirty="0" smtClean="0"/>
           </a:p>
         </p:txBody>
       </p:sp>
     </p:spTree>
     <p:extLst>
       <p:ext uri="{BB962C8B-B14F-4D97-AF65-F5344CB8AC3E}">
-        <p14:creationId xmlns:p14="http://schemas.microsoft.com/office/powerpoint/2010/main" xmlns="" val="953919679"/>
+        <p14:creationId xmlns:p14="http://schemas.microsoft.com/office/powerpoint/2010/main" val="1653870444"/>
       </p:ext>
     </p:extLst>
   </p:cSld>
   <p:clrMapOvr>
     <a:masterClrMapping/>
   </p:clrMapOvr>
+  <p:timing>
+    <p:tnLst>
+      <p:par>
+        <p:cTn xmlns:p14="http://schemas.microsoft.com/office/powerpoint/2010/main" id="1" dur="indefinite" restart="never" nodeType="tmRoot"/>
+      </p:par>
+    </p:tnLst>
+  </p:timing>
 </p:sld>
 </file>
 
@@ -7190,7 +7361,11 @@
           <a:p>
             <a:r>
               <a:rPr lang="en-US" dirty="0" smtClean="0"/>
-              <a:t>Other Technologies</a:t>
+              <a:t>Installing </a:t>
+            </a:r>
+            <a:r>
+              <a:rPr lang="en-US" dirty="0" smtClean="0"/>
+              <a:t>*AMP</a:t>
             </a:r>
             <a:endParaRPr lang="en-US" dirty="0"/>
           </a:p>
@@ -7208,87 +7383,89 @@
         </p:nvSpPr>
         <p:spPr/>
         <p:txBody>
-          <a:bodyPr/>
+          <a:bodyPr>
+            <a:normAutofit/>
+          </a:bodyPr>
           <a:lstStyle/>
           <a:p>
             <a:r>
               <a:rPr lang="en-US" dirty="0" smtClean="0"/>
-              <a:t>Frameworks: ASP.NET, Node.js, </a:t>
-            </a:r>
-            <a:r>
-              <a:rPr lang="en-US" dirty="0" err="1" smtClean="0"/>
-              <a:t>CodeIgniter</a:t>
-            </a:r>
+              <a:t>Visit </a:t>
+            </a:r>
+            <a:r>
+              <a:rPr lang="en-US" dirty="0" smtClean="0">
+                <a:hlinkClick r:id="rId2"/>
+              </a:rPr>
+              <a:t>http://www.wampserver.com/en/</a:t>
+            </a:r>
+            <a:endParaRPr lang="en-US" dirty="0" smtClean="0"/>
+          </a:p>
+          <a:p>
             <a:r>
               <a:rPr lang="en-US" dirty="0" smtClean="0"/>
-              <a:t>, Ruby on Rails</a:t>
-            </a:r>
-          </a:p>
-          <a:p>
+              <a:t>Scroll down and follow the directions to install WAMP: It should only take 5 minutes. The download links are at the </a:t>
+            </a:r>
             <a:r>
               <a:rPr lang="en-US" dirty="0" smtClean="0"/>
-              <a:t>Apache</a:t>
-            </a:r>
-          </a:p>
-          <a:p>
+              <a:t>bottom</a:t>
+            </a:r>
+            <a:r>
+              <a:rPr lang="en-US" dirty="0"/>
+              <a:t> </a:t>
+            </a:r>
             <a:r>
               <a:rPr lang="en-US" dirty="0" smtClean="0"/>
-              <a:t>Tomcat</a:t>
-            </a:r>
+              <a:t>of the page.</a:t>
+            </a:r>
+            <a:endParaRPr lang="en-US" dirty="0" smtClean="0"/>
+          </a:p>
+          <a:p>
+            <a:endParaRPr lang="en-US" dirty="0"/>
+          </a:p>
+          <a:p>
+            <a:r>
+              <a:rPr lang="en-US" dirty="0"/>
+              <a:t>Visit </a:t>
+            </a:r>
+            <a:r>
+              <a:rPr lang="en-US" dirty="0">
+                <a:hlinkClick r:id="rId3"/>
+              </a:rPr>
+              <a:t>http://www.mamp.info/en/</a:t>
+            </a:r>
+            <a:r>
+              <a:rPr lang="en-US" dirty="0" smtClean="0">
+                <a:hlinkClick r:id="rId3"/>
+              </a:rPr>
+              <a:t>index.html</a:t>
+            </a:r>
+            <a:endParaRPr lang="en-US" dirty="0" smtClean="0"/>
           </a:p>
           <a:p>
             <a:r>
               <a:rPr lang="en-US" dirty="0" smtClean="0"/>
-              <a:t>SQL databases</a:t>
-            </a:r>
-          </a:p>
-          <a:p>
-            <a:r>
-              <a:rPr lang="en-US" dirty="0" err="1" smtClean="0"/>
-              <a:t>NoSQL</a:t>
-            </a:r>
-            <a:r>
-              <a:rPr lang="en-US" dirty="0" smtClean="0"/>
-              <a:t> databases</a:t>
-            </a:r>
-          </a:p>
-          <a:p>
-            <a:r>
-              <a:rPr lang="en-US" dirty="0" smtClean="0"/>
-              <a:t>Cloud platforms: </a:t>
-            </a:r>
-            <a:r>
-              <a:rPr lang="en-US" dirty="0" err="1" smtClean="0"/>
-              <a:t>AppEngine</a:t>
-            </a:r>
-            <a:r>
-              <a:rPr lang="en-US" dirty="0" smtClean="0"/>
-              <a:t>, </a:t>
-            </a:r>
-            <a:r>
-              <a:rPr lang="en-US" dirty="0" err="1" smtClean="0"/>
-              <a:t>Heroku</a:t>
-            </a:r>
-            <a:r>
-              <a:rPr lang="en-US" dirty="0" smtClean="0"/>
-              <a:t>, Amazon Web Services</a:t>
-            </a:r>
-          </a:p>
-          <a:p>
-            <a:endParaRPr lang="en-US" dirty="0"/>
+              <a:t>For Mac Users</a:t>
+            </a:r>
           </a:p>
         </p:txBody>
       </p:sp>
     </p:spTree>
     <p:extLst>
       <p:ext uri="{BB962C8B-B14F-4D97-AF65-F5344CB8AC3E}">
-        <p14:creationId xmlns:p14="http://schemas.microsoft.com/office/powerpoint/2010/main" xmlns="" val="2516636493"/>
+        <p14:creationId xmlns:p14="http://schemas.microsoft.com/office/powerpoint/2010/main" val="953919679"/>
       </p:ext>
     </p:extLst>
   </p:cSld>
   <p:clrMapOvr>
     <a:masterClrMapping/>
   </p:clrMapOvr>
+  <p:timing>
+    <p:tnLst>
+      <p:par>
+        <p:cTn xmlns:p14="http://schemas.microsoft.com/office/powerpoint/2010/main" id="1" dur="indefinite" restart="never" nodeType="tmRoot"/>
+      </p:par>
+    </p:tnLst>
+  </p:timing>
 </p:sld>
 </file>
 
@@ -7319,19 +7496,14 @@
             <p:ph type="title"/>
           </p:nvPr>
         </p:nvSpPr>
-        <p:spPr>
-          <a:xfrm>
-            <a:off x="457200" y="274638"/>
-            <a:ext cx="8229600" cy="792162"/>
-          </a:xfrm>
-        </p:spPr>
+        <p:spPr/>
         <p:txBody>
           <a:bodyPr/>
           <a:lstStyle/>
           <a:p>
             <a:r>
               <a:rPr lang="en-US" dirty="0" smtClean="0"/>
-              <a:t>Frameworks</a:t>
+              <a:t>Other Technologies</a:t>
             </a:r>
             <a:endParaRPr lang="en-US" dirty="0"/>
           </a:p>
@@ -7347,76 +7519,73 @@
             <p:ph idx="1"/>
           </p:nvPr>
         </p:nvSpPr>
-        <p:spPr>
-          <a:xfrm>
-            <a:off x="457200" y="1295400"/>
-            <a:ext cx="8229600" cy="4953000"/>
-          </a:xfrm>
-        </p:spPr>
-        <p:txBody>
-          <a:bodyPr>
-            <a:normAutofit fontScale="92500" lnSpcReduction="10000"/>
-          </a:bodyPr>
+        <p:spPr/>
+        <p:txBody>
+          <a:bodyPr/>
           <a:lstStyle/>
           <a:p>
             <a:r>
               <a:rPr lang="en-US" dirty="0" smtClean="0"/>
-              <a:t>ASP.NET: a free web framework developed by Microsoft that can  be used as a tool to develop websites using JavaScript and HTML/CSS </a:t>
-            </a:r>
-            <a:r>
-              <a:rPr lang="en-US" dirty="0" smtClean="0">
-                <a:hlinkClick r:id="rId2"/>
-              </a:rPr>
-              <a:t>http://www.asp.net/get-started</a:t>
-            </a:r>
-            <a:endParaRPr lang="en-US" dirty="0" smtClean="0"/>
-          </a:p>
-          <a:p>
-            <a:r>
-              <a:rPr lang="en-US" dirty="0" smtClean="0"/>
-              <a:t>Node.js: a JavaScript library that is used to write scalable internet applications, especially web servers</a:t>
-            </a:r>
-            <a:r>
-              <a:rPr lang="en-US" dirty="0" smtClean="0">
-                <a:hlinkClick r:id="rId3"/>
-              </a:rPr>
-              <a:t> http://nodejs.org/</a:t>
-            </a:r>
-            <a:endParaRPr lang="en-US" dirty="0" smtClean="0"/>
-          </a:p>
-          <a:p>
+              <a:t>Frameworks: ASP.NET, Node.js, </a:t>
+            </a:r>
             <a:r>
               <a:rPr lang="en-US" dirty="0" err="1" smtClean="0"/>
               <a:t>CodeIgniter</a:t>
             </a:r>
             <a:r>
-              <a:rPr lang="en-US" dirty="0"/>
-              <a:t>:</a:t>
-            </a:r>
-            <a:r>
               <a:rPr lang="en-US" dirty="0" smtClean="0"/>
-              <a:t> an open-source framework for creating PHP programs </a:t>
-            </a:r>
-            <a:r>
-              <a:rPr lang="en-US" dirty="0" smtClean="0">
-                <a:hlinkClick r:id="rId4"/>
-              </a:rPr>
-              <a:t>http://codeigniter.com/</a:t>
-            </a:r>
-            <a:endParaRPr lang="en-US" dirty="0" smtClean="0"/>
+              <a:t>, Ruby on Rails</a:t>
+            </a:r>
           </a:p>
           <a:p>
             <a:r>
               <a:rPr lang="en-US" dirty="0" smtClean="0"/>
-              <a:t>Ruby on Rails: a web framework designed for Ruby </a:t>
-            </a:r>
-            <a:r>
-              <a:rPr lang="en-US" dirty="0" smtClean="0">
-                <a:hlinkClick r:id="rId5"/>
-              </a:rPr>
-              <a:t>http://rubyonrails.org/</a:t>
-            </a:r>
-            <a:endParaRPr lang="en-US" dirty="0" smtClean="0"/>
+              <a:t>Apache</a:t>
+            </a:r>
+          </a:p>
+          <a:p>
+            <a:r>
+              <a:rPr lang="en-US" dirty="0" smtClean="0"/>
+              <a:t>Tomcat</a:t>
+            </a:r>
+          </a:p>
+          <a:p>
+            <a:r>
+              <a:rPr lang="en-US" dirty="0" smtClean="0"/>
+              <a:t>SQL databases</a:t>
+            </a:r>
+          </a:p>
+          <a:p>
+            <a:r>
+              <a:rPr lang="en-US" dirty="0" err="1" smtClean="0"/>
+              <a:t>NoSQL</a:t>
+            </a:r>
+            <a:r>
+              <a:rPr lang="en-US" dirty="0" smtClean="0"/>
+              <a:t> databases</a:t>
+            </a:r>
+          </a:p>
+          <a:p>
+            <a:r>
+              <a:rPr lang="en-US" dirty="0" smtClean="0"/>
+              <a:t>Cloud platforms: </a:t>
+            </a:r>
+            <a:r>
+              <a:rPr lang="en-US" dirty="0" err="1" smtClean="0"/>
+              <a:t>AppEngine</a:t>
+            </a:r>
+            <a:r>
+              <a:rPr lang="en-US" dirty="0" smtClean="0"/>
+              <a:t>, </a:t>
+            </a:r>
+            <a:r>
+              <a:rPr lang="en-US" dirty="0" err="1" smtClean="0"/>
+              <a:t>Heroku</a:t>
+            </a:r>
+            <a:r>
+              <a:rPr lang="en-US" dirty="0" smtClean="0"/>
+              <a:t>, Amazon Web Services</a:t>
+            </a:r>
           </a:p>
           <a:p>
             <a:endParaRPr lang="en-US" dirty="0"/>
@@ -7426,7 +7595,7 @@
     </p:spTree>
     <p:extLst>
       <p:ext uri="{BB962C8B-B14F-4D97-AF65-F5344CB8AC3E}">
-        <p14:creationId xmlns:p14="http://schemas.microsoft.com/office/powerpoint/2010/main" xmlns="" val="2264970389"/>
+        <p14:creationId xmlns:p14="http://schemas.microsoft.com/office/powerpoint/2010/main" val="2516636493"/>
       </p:ext>
     </p:extLst>
   </p:cSld>
@@ -7463,14 +7632,19 @@
             <p:ph type="title"/>
           </p:nvPr>
         </p:nvSpPr>
-        <p:spPr/>
+        <p:spPr>
+          <a:xfrm>
+            <a:off x="457200" y="274638"/>
+            <a:ext cx="8229600" cy="792162"/>
+          </a:xfrm>
+        </p:spPr>
         <p:txBody>
           <a:bodyPr/>
           <a:lstStyle/>
           <a:p>
             <a:r>
               <a:rPr lang="en-US" dirty="0" smtClean="0"/>
-              <a:t>Web Server Software</a:t>
+              <a:t>Frameworks</a:t>
             </a:r>
             <a:endParaRPr lang="en-US" dirty="0"/>
           </a:p>
@@ -7486,44 +7660,78 @@
             <p:ph idx="1"/>
           </p:nvPr>
         </p:nvSpPr>
-        <p:spPr/>
-        <p:txBody>
-          <a:bodyPr/>
+        <p:spPr>
+          <a:xfrm>
+            <a:off x="457200" y="1295400"/>
+            <a:ext cx="8229600" cy="4953000"/>
+          </a:xfrm>
+        </p:spPr>
+        <p:txBody>
+          <a:bodyPr>
+            <a:normAutofit fontScale="92500" lnSpcReduction="10000"/>
+          </a:bodyPr>
           <a:lstStyle/>
           <a:p>
             <a:r>
-              <a:rPr lang="en-US" dirty="0"/>
-              <a:t>Since April 1996 Apache has been the most popular HTTP server software in use. </a:t>
-            </a:r>
-          </a:p>
-          <a:p>
-            <a:pPr marL="0" indent="0">
-              <a:buNone/>
-            </a:pPr>
+              <a:rPr lang="en-US" dirty="0" smtClean="0"/>
+              <a:t>ASP.NET: a free web framework developed by Microsoft that can  be used as a tool to develop websites using JavaScript and HTML/CSS </a:t>
+            </a:r>
             <a:r>
               <a:rPr lang="en-US" dirty="0" smtClean="0">
                 <a:hlinkClick r:id="rId2"/>
               </a:rPr>
-              <a:t>http://httpd.apache.org/</a:t>
+              <a:t>http://www.asp.net/get-started</a:t>
             </a:r>
             <a:endParaRPr lang="en-US" dirty="0" smtClean="0"/>
           </a:p>
           <a:p>
             <a:r>
               <a:rPr lang="en-US" dirty="0" smtClean="0"/>
-              <a:t>If you want to use java for all of your web development, use Apache Tomcat</a:t>
-            </a:r>
-          </a:p>
-          <a:p>
-            <a:pPr marL="0" indent="0">
-              <a:buNone/>
-            </a:pPr>
+              <a:t>Node.js: a JavaScript library that is used to write scalable internet applications, especially web servers</a:t>
+            </a:r>
             <a:r>
               <a:rPr lang="en-US" dirty="0" smtClean="0">
                 <a:hlinkClick r:id="rId3"/>
               </a:rPr>
-              <a:t>http://tomcat.apache.org/</a:t>
-            </a:r>
+              <a:t> http://nodejs.org/</a:t>
+            </a:r>
+            <a:endParaRPr lang="en-US" dirty="0" smtClean="0"/>
+          </a:p>
+          <a:p>
+            <a:r>
+              <a:rPr lang="en-US" dirty="0" err="1" smtClean="0"/>
+              <a:t>CodeIgniter</a:t>
+            </a:r>
+            <a:r>
+              <a:rPr lang="en-US" dirty="0"/>
+              <a:t>:</a:t>
+            </a:r>
+            <a:r>
+              <a:rPr lang="en-US" dirty="0" smtClean="0"/>
+              <a:t> an open-source framework for creating PHP programs </a:t>
+            </a:r>
+            <a:r>
+              <a:rPr lang="en-US" dirty="0" smtClean="0">
+                <a:hlinkClick r:id="rId4"/>
+              </a:rPr>
+              <a:t>http://codeigniter.com/</a:t>
+            </a:r>
+            <a:endParaRPr lang="en-US" dirty="0" smtClean="0"/>
+          </a:p>
+          <a:p>
+            <a:r>
+              <a:rPr lang="en-US" dirty="0" smtClean="0"/>
+              <a:t>Ruby on Rails: a web framework designed for Ruby </a:t>
+            </a:r>
+            <a:r>
+              <a:rPr lang="en-US" dirty="0" smtClean="0">
+                <a:hlinkClick r:id="rId5"/>
+              </a:rPr>
+              <a:t>http://rubyonrails.org/</a:t>
+            </a:r>
+            <a:endParaRPr lang="en-US" dirty="0" smtClean="0"/>
+          </a:p>
+          <a:p>
             <a:endParaRPr lang="en-US" dirty="0"/>
           </a:p>
         </p:txBody>
@@ -7531,7 +7739,7 @@
     </p:spTree>
     <p:extLst>
       <p:ext uri="{BB962C8B-B14F-4D97-AF65-F5344CB8AC3E}">
-        <p14:creationId xmlns:p14="http://schemas.microsoft.com/office/powerpoint/2010/main" xmlns="" val="2573009935"/>
+        <p14:creationId xmlns:p14="http://schemas.microsoft.com/office/powerpoint/2010/main" val="2264970389"/>
       </p:ext>
     </p:extLst>
   </p:cSld>
@@ -7575,7 +7783,7 @@
           <a:p>
             <a:r>
               <a:rPr lang="en-US" dirty="0" smtClean="0"/>
-              <a:t>Database Options</a:t>
+              <a:t>Web Server Software</a:t>
             </a:r>
             <a:endParaRPr lang="en-US" dirty="0"/>
           </a:p>
@@ -7591,43 +7799,43 @@
             <p:ph idx="1"/>
           </p:nvPr>
         </p:nvSpPr>
-        <p:spPr>
-          <a:xfrm>
-            <a:off x="533400" y="1371600"/>
-            <a:ext cx="8229600" cy="5181600"/>
-          </a:xfrm>
-        </p:spPr>
-        <p:txBody>
-          <a:bodyPr>
-            <a:normAutofit fontScale="92500" lnSpcReduction="10000"/>
-          </a:bodyPr>
+        <p:spPr/>
+        <p:txBody>
+          <a:bodyPr/>
           <a:lstStyle/>
           <a:p>
             <a:r>
+              <a:rPr lang="en-US" dirty="0"/>
+              <a:t>Since April 1996 Apache has been the most popular HTTP server software in use. </a:t>
+            </a:r>
+          </a:p>
+          <a:p>
+            <a:pPr marL="0" indent="0">
+              <a:buNone/>
+            </a:pPr>
+            <a:r>
+              <a:rPr lang="en-US" dirty="0" smtClean="0">
+                <a:hlinkClick r:id="rId2"/>
+              </a:rPr>
+              <a:t>http://httpd.apache.org/</a:t>
+            </a:r>
+            <a:endParaRPr lang="en-US" dirty="0" smtClean="0"/>
+          </a:p>
+          <a:p>
+            <a:r>
               <a:rPr lang="en-US" dirty="0" smtClean="0"/>
-              <a:t>Databases are fast and efficient ways of storing and accessing large amounts of data</a:t>
-            </a:r>
-          </a:p>
-          <a:p>
-            <a:r>
-              <a:rPr lang="en-US" dirty="0" smtClean="0"/>
-              <a:t>SQL Databases store data in relational tables. They are relatively easy to conceptually model, and interface with. They are also very reliable. They are written is SQL</a:t>
-            </a:r>
-          </a:p>
-          <a:p>
-            <a:r>
-              <a:rPr lang="en-US" dirty="0" err="1" smtClean="0"/>
-              <a:t>NoSQL</a:t>
-            </a:r>
-            <a:r>
-              <a:rPr lang="en-US" dirty="0" smtClean="0"/>
-              <a:t> databases do not use SQL as their primary query language. They are very scalable and excellent for handling extremely large amounts of data</a:t>
-            </a:r>
-          </a:p>
-          <a:p>
-            <a:r>
-              <a:rPr lang="en-US" dirty="0" smtClean="0"/>
-              <a:t>Cloud databases do not rely on a central server or data center. They are very easy to set up and use.</a:t>
+              <a:t>If you want to use java for all of your web development, use Apache Tomcat</a:t>
+            </a:r>
+          </a:p>
+          <a:p>
+            <a:pPr marL="0" indent="0">
+              <a:buNone/>
+            </a:pPr>
+            <a:r>
+              <a:rPr lang="en-US" dirty="0" smtClean="0">
+                <a:hlinkClick r:id="rId3"/>
+              </a:rPr>
+              <a:t>http://tomcat.apache.org/</a:t>
             </a:r>
             <a:endParaRPr lang="en-US" dirty="0"/>
           </a:p>
@@ -7636,7 +7844,7 @@
     </p:spTree>
     <p:extLst>
       <p:ext uri="{BB962C8B-B14F-4D97-AF65-F5344CB8AC3E}">
-        <p14:creationId xmlns:p14="http://schemas.microsoft.com/office/powerpoint/2010/main" xmlns="" val="2555054698"/>
+        <p14:creationId xmlns:p14="http://schemas.microsoft.com/office/powerpoint/2010/main" val="2573009935"/>
       </p:ext>
     </p:extLst>
   </p:cSld>
@@ -7680,7 +7888,7 @@
           <a:p>
             <a:r>
               <a:rPr lang="en-US" dirty="0" smtClean="0"/>
-              <a:t>SQL</a:t>
+              <a:t>Database Options</a:t>
             </a:r>
             <a:endParaRPr lang="en-US" dirty="0"/>
           </a:p>
@@ -7696,90 +7904,44 @@
             <p:ph idx="1"/>
           </p:nvPr>
         </p:nvSpPr>
-        <p:spPr/>
-        <p:txBody>
-          <a:bodyPr/>
+        <p:spPr>
+          <a:xfrm>
+            <a:off x="533400" y="1371600"/>
+            <a:ext cx="8229600" cy="5181600"/>
+          </a:xfrm>
+        </p:spPr>
+        <p:txBody>
+          <a:bodyPr>
+            <a:normAutofit fontScale="92500" lnSpcReduction="10000"/>
+          </a:bodyPr>
           <a:lstStyle/>
           <a:p>
-            <a:pPr lvl="1">
-              <a:buFont typeface="Arial" pitchFamily="34" charset="0"/>
-              <a:buChar char="•"/>
-            </a:pPr>
             <a:r>
               <a:rPr lang="en-US" dirty="0" smtClean="0"/>
-              <a:t>IBM’s DB2 </a:t>
-            </a:r>
-          </a:p>
-          <a:p>
-            <a:pPr marL="457200" lvl="1" indent="0">
-              <a:buNone/>
-            </a:pPr>
-            <a:r>
-              <a:rPr lang="en-US" dirty="0" smtClean="0">
-                <a:hlinkClick r:id="rId2"/>
-              </a:rPr>
-              <a:t>http://www-01.ibm.com/software/data/db2/</a:t>
-            </a:r>
-            <a:endParaRPr lang="en-US" dirty="0" smtClean="0"/>
-          </a:p>
-          <a:p>
-            <a:pPr lvl="1">
-              <a:buFont typeface="Arial" pitchFamily="34" charset="0"/>
-              <a:buChar char="•"/>
-            </a:pPr>
+              <a:t>Databases are fast and efficient ways of storing and accessing large amounts of data</a:t>
+            </a:r>
+          </a:p>
+          <a:p>
             <a:r>
               <a:rPr lang="en-US" dirty="0" smtClean="0"/>
-              <a:t>Oracle’s Database</a:t>
-            </a:r>
-          </a:p>
-          <a:p>
-            <a:pPr marL="457200" lvl="1" indent="0">
-              <a:buNone/>
-            </a:pPr>
-            <a:r>
-              <a:rPr lang="en-US" dirty="0" smtClean="0">
-                <a:hlinkClick r:id="rId3"/>
-              </a:rPr>
-              <a:t>http://www.oracle.com/technetwork/indexes/downloads/index.html</a:t>
-            </a:r>
-            <a:endParaRPr lang="en-US" dirty="0" smtClean="0"/>
-          </a:p>
-          <a:p>
-            <a:pPr lvl="1">
-              <a:buFont typeface="Arial" pitchFamily="34" charset="0"/>
-              <a:buChar char="•"/>
-            </a:pPr>
+              <a:t>SQL Databases store data in relational tables. They are relatively easy to conceptually model, and interface with. They are also very reliable. They are written is SQL</a:t>
+            </a:r>
+          </a:p>
+          <a:p>
+            <a:r>
+              <a:rPr lang="en-US" dirty="0" err="1" smtClean="0"/>
+              <a:t>NoSQL</a:t>
+            </a:r>
             <a:r>
               <a:rPr lang="en-US" dirty="0" smtClean="0"/>
-              <a:t>MySQL</a:t>
-            </a:r>
-          </a:p>
-          <a:p>
-            <a:pPr marL="457200" lvl="1" indent="0">
-              <a:buNone/>
-            </a:pPr>
-            <a:r>
-              <a:rPr lang="en-US" dirty="0" smtClean="0">
-                <a:hlinkClick r:id="rId4"/>
-              </a:rPr>
-              <a:t>http://www.mysql.com/</a:t>
-            </a:r>
-            <a:endParaRPr lang="en-US" dirty="0" smtClean="0"/>
-          </a:p>
-          <a:p>
-            <a:pPr marL="457200" lvl="1" indent="0">
-              <a:buNone/>
-            </a:pPr>
-            <a:endParaRPr lang="en-US" dirty="0" smtClean="0"/>
-          </a:p>
-          <a:p>
-            <a:pPr lvl="1"/>
-            <a:endParaRPr lang="en-US" dirty="0"/>
-          </a:p>
-          <a:p>
-            <a:pPr marL="457200" lvl="1" indent="0">
-              <a:buNone/>
-            </a:pPr>
+              <a:t> databases do not use SQL as their primary query language. They are very scalable and excellent for handling extremely large amounts of data</a:t>
+            </a:r>
+          </a:p>
+          <a:p>
+            <a:r>
+              <a:rPr lang="en-US" dirty="0" smtClean="0"/>
+              <a:t>Cloud databases do not rely on a central server or data center. They are very easy to set up and use.</a:t>
+            </a:r>
             <a:endParaRPr lang="en-US" dirty="0"/>
           </a:p>
         </p:txBody>
@@ -7787,7 +7949,7 @@
     </p:spTree>
     <p:extLst>
       <p:ext uri="{BB962C8B-B14F-4D97-AF65-F5344CB8AC3E}">
-        <p14:creationId xmlns:p14="http://schemas.microsoft.com/office/powerpoint/2010/main" xmlns="" val="3388672935"/>
+        <p14:creationId xmlns:p14="http://schemas.microsoft.com/office/powerpoint/2010/main" val="2555054698"/>
       </p:ext>
     </p:extLst>
   </p:cSld>
